--- a/pptx/第1章 多元统计分析概述.pptx
+++ b/pptx/第1章 多元统计分析概述.pptx
@@ -12915,7 +12915,7 @@
         </p:nvSpPr>
         <p:spPr>
           <a:xfrm>
-            <a:off x="3261995" y="4364355"/>
+            <a:off x="3469640" y="4462145"/>
             <a:ext cx="5584825" cy="630555"/>
           </a:xfrm>
         </p:spPr>
@@ -13105,7 +13105,7 @@
         <p:spPr>
           <a:xfrm>
             <a:off x="2567940" y="2708910"/>
-            <a:ext cx="6824345" cy="808990"/>
+            <a:ext cx="6824345" cy="1753235"/>
           </a:xfrm>
           <a:prstGeom prst="rect">
             <a:avLst/>
@@ -13290,6 +13290,69 @@
               <a:sym typeface="微软雅黑" panose="020B0503020204020204" pitchFamily="2" charset="-122"/>
             </a:endParaRPr>
           </a:p>
+          <a:p>
+            <a:pPr marL="0" lvl="0" indent="0" algn="ctr" defTabSz="914400">
+              <a:spcBef>
+                <a:spcPct val="0"/>
+              </a:spcBef>
+              <a:buFont typeface="Arial" panose="020B0604020202020204" pitchFamily="34" charset="0"/>
+              <a:buNone/>
+            </a:pPr>
+            <a:r>
+              <a:rPr lang="zh-CN" altLang="en-US" b="1" dirty="0">
+                <a:solidFill>
+                  <a:schemeClr val="accent1"/>
+                </a:solidFill>
+                <a:effectLst>
+                  <a:outerShdw blurRad="38100" dist="25400" dir="5400000" algn="ctr" rotWithShape="0">
+                    <a:srgbClr val="6E747A">
+                      <a:alpha val="43000"/>
+                    </a:srgbClr>
+                  </a:outerShdw>
+                </a:effectLst>
+                <a:latin typeface="微软雅黑" panose="020B0503020204020204" pitchFamily="2" charset="-122"/>
+                <a:ea typeface="微软雅黑" panose="020B0503020204020204" pitchFamily="2" charset="-122"/>
+                <a:sym typeface="微软雅黑" panose="020B0503020204020204" pitchFamily="2" charset="-122"/>
+              </a:rPr>
+              <a:t>（第五版）</a:t>
+            </a:r>
+            <a:r>
+              <a:rPr lang="zh-CN" altLang="en-US" b="1" dirty="0">
+                <a:solidFill>
+                  <a:srgbClr val="1115C3"/>
+                </a:solidFill>
+                <a:latin typeface="微软雅黑" panose="020B0503020204020204" pitchFamily="2" charset="-122"/>
+                <a:ea typeface="微软雅黑" panose="020B0503020204020204" pitchFamily="2" charset="-122"/>
+                <a:sym typeface="微软雅黑" panose="020B0503020204020204" pitchFamily="2" charset="-122"/>
+              </a:rPr>
+              <a:t> </a:t>
+            </a:r>
+            <a:endParaRPr lang="zh-CN" altLang="en-US" b="1" dirty="0">
+              <a:solidFill>
+                <a:srgbClr val="1115C3"/>
+              </a:solidFill>
+              <a:latin typeface="微软雅黑" panose="020B0503020204020204" pitchFamily="2" charset="-122"/>
+              <a:ea typeface="微软雅黑" panose="020B0503020204020204" pitchFamily="2" charset="-122"/>
+              <a:sym typeface="微软雅黑" panose="020B0503020204020204" pitchFamily="2" charset="-122"/>
+            </a:endParaRPr>
+          </a:p>
+          <a:p>
+            <a:pPr marL="0" lvl="0" indent="0" defTabSz="914400">
+              <a:spcBef>
+                <a:spcPct val="0"/>
+              </a:spcBef>
+              <a:buFont typeface="Arial" panose="020B0604020202020204" pitchFamily="34" charset="0"/>
+              <a:buNone/>
+            </a:pPr>
+            <a:endParaRPr lang="zh-CN" altLang="en-US" b="1" dirty="0">
+              <a:solidFill>
+                <a:srgbClr val="1115C3"/>
+              </a:solidFill>
+              <a:latin typeface="微软雅黑" panose="020B0503020204020204" pitchFamily="2" charset="-122"/>
+              <a:ea typeface="微软雅黑" panose="020B0503020204020204" pitchFamily="2" charset="-122"/>
+              <a:sym typeface="微软雅黑" panose="020B0503020204020204" pitchFamily="2" charset="-122"/>
+            </a:endParaRPr>
+          </a:p>
         </p:txBody>
       </p:sp>
       <p:pic>
@@ -13474,7 +13537,7 @@
         </p:nvSpPr>
         <p:spPr>
           <a:xfrm>
-            <a:off x="2961957" y="5578990"/>
+            <a:off x="3169602" y="5618360"/>
             <a:ext cx="4931973" cy="630555"/>
           </a:xfrm>
         </p:spPr>
@@ -22930,16 +22993,16 @@
                 <a:ea typeface="黑体" panose="02010609060101010101" pitchFamily="49" charset="-122"/>
                 <a:cs typeface="+mn-cs"/>
               </a:rPr>
-              <a:t>学习资料  </a:t>
+              <a:t>教学资料  </a:t>
             </a:r>
             <a:r>
               <a:rPr lang="en-US" altLang="zh-CN" sz="4800" b="1" dirty="0" smtClean="0">
                 <a:solidFill>
                   <a:srgbClr val="0000FF"/>
                 </a:solidFill>
-                <a:latin typeface="黑体" panose="02010609060101010101" pitchFamily="49" charset="-122"/>
+                <a:latin typeface="+mn-lt"/>
                 <a:ea typeface="黑体" panose="02010609060101010101" pitchFamily="49" charset="-122"/>
-                <a:cs typeface="+mn-cs"/>
+                <a:cs typeface="+mn-lt"/>
               </a:rPr>
               <a:t>Rstat.leanote.com</a:t>
             </a:r>
@@ -22947,9 +23010,9 @@
               <a:solidFill>
                 <a:srgbClr val="0000FF"/>
               </a:solidFill>
-              <a:latin typeface="黑体" panose="02010609060101010101" pitchFamily="49" charset="-122"/>
+              <a:latin typeface="+mn-lt"/>
               <a:ea typeface="黑体" panose="02010609060101010101" pitchFamily="49" charset="-122"/>
-              <a:cs typeface="+mn-cs"/>
+              <a:cs typeface="+mn-lt"/>
             </a:endParaRPr>
           </a:p>
         </p:txBody>
@@ -23015,7 +23078,7 @@
                 <a:ea typeface="黑体" panose="02010609060101010101" pitchFamily="49" charset="-122"/>
                 <a:sym typeface="+mn-ea"/>
               </a:rPr>
-              <a:t>王斌会编著</a:t>
+              <a:t>王斌会 主编</a:t>
             </a:r>
             <a:r>
               <a:rPr lang="zh-CN" altLang="en-US" sz="3600" dirty="0" smtClean="0">
@@ -23026,7 +23089,6 @@
             </a:r>
             <a:r>
               <a:rPr lang="zh-CN" altLang="en-US" sz="3600" dirty="0" smtClean="0">
-                <a:ln/>
                 <a:solidFill>
                   <a:srgbClr val="C00000"/>
                 </a:solidFill>
@@ -23044,7 +23106,6 @@
             </a:r>
             <a:r>
               <a:rPr lang="en-US" altLang="zh-CN" sz="3600" dirty="0" smtClean="0">
-                <a:ln/>
                 <a:solidFill>
                   <a:srgbClr val="C00000"/>
                 </a:solidFill>
@@ -23062,7 +23123,6 @@
             </a:r>
             <a:r>
               <a:rPr lang="zh-CN" altLang="en-US" sz="3600" dirty="0" smtClean="0">
-                <a:ln/>
                 <a:solidFill>
                   <a:srgbClr val="C00000"/>
                 </a:solidFill>
@@ -23101,35 +23161,21 @@
                 <a:latin typeface="黑体" panose="02010609060101010101" pitchFamily="49" charset="-122"/>
                 <a:ea typeface="黑体" panose="02010609060101010101" pitchFamily="49" charset="-122"/>
               </a:rPr>
-              <a:t>           </a:t>
+              <a:t>       </a:t>
             </a:r>
             <a:r>
               <a:rPr lang="en-US" altLang="zh-CN" sz="3600" dirty="0" smtClean="0">
                 <a:latin typeface="黑体" panose="02010609060101010101" pitchFamily="49" charset="-122"/>
                 <a:ea typeface="黑体" panose="02010609060101010101" pitchFamily="49" charset="-122"/>
               </a:rPr>
-              <a:t>2016.1</a:t>
+              <a:t>2020.2</a:t>
             </a:r>
             <a:r>
               <a:rPr lang="zh-CN" altLang="en-US" sz="3600" dirty="0" smtClean="0">
                 <a:latin typeface="黑体" panose="02010609060101010101" pitchFamily="49" charset="-122"/>
                 <a:ea typeface="黑体" panose="02010609060101010101" pitchFamily="49" charset="-122"/>
               </a:rPr>
-              <a:t>（第</a:t>
-            </a:r>
-            <a:r>
-              <a:rPr lang="en-US" altLang="zh-CN" sz="3600" dirty="0" smtClean="0">
-                <a:latin typeface="黑体" panose="02010609060101010101" pitchFamily="49" charset="-122"/>
-                <a:ea typeface="黑体" panose="02010609060101010101" pitchFamily="49" charset="-122"/>
-              </a:rPr>
-              <a:t>4</a:t>
-            </a:r>
-            <a:r>
-              <a:rPr lang="zh-CN" altLang="en-US" sz="3600" dirty="0" smtClean="0">
-                <a:latin typeface="黑体" panose="02010609060101010101" pitchFamily="49" charset="-122"/>
-                <a:ea typeface="黑体" panose="02010609060101010101" pitchFamily="49" charset="-122"/>
-              </a:rPr>
-              <a:t>版）暨南大学出版社</a:t>
+              <a:t>（第五版）高等教育出版社</a:t>
             </a:r>
             <a:endParaRPr lang="zh-CN" altLang="en-US" sz="3600" dirty="0" smtClean="0">
               <a:latin typeface="黑体" panose="02010609060101010101" pitchFamily="49" charset="-122"/>
@@ -23336,7 +23382,7 @@
                 <a:latin typeface="黑体" panose="02010609060101010101" pitchFamily="49" charset="-122"/>
                 <a:ea typeface="黑体" panose="02010609060101010101" pitchFamily="49" charset="-122"/>
               </a:rPr>
-              <a:t> 北京大学出版社，</a:t>
+              <a:t>北京大学出版社，</a:t>
             </a:r>
             <a:r>
               <a:rPr lang="zh-CN" altLang="en-US" sz="3600" dirty="0" smtClean="0">
@@ -23346,34 +23392,6 @@
               </a:rPr>
               <a:t>暨南大学出版社</a:t>
             </a:r>
-            <a:endParaRPr lang="zh-CN" altLang="en-US" sz="3600" dirty="0" smtClean="0">
-              <a:latin typeface="黑体" panose="02010609060101010101" pitchFamily="49" charset="-122"/>
-              <a:ea typeface="黑体" panose="02010609060101010101" pitchFamily="49" charset="-122"/>
-              <a:sym typeface="+mn-ea"/>
-            </a:endParaRPr>
-          </a:p>
-          <a:p>
-            <a:pPr algn="l">
-              <a:lnSpc>
-                <a:spcPct val="100000"/>
-              </a:lnSpc>
-              <a:defRPr/>
-            </a:pPr>
-            <a:endParaRPr lang="zh-CN" altLang="en-US" sz="3600" dirty="0" smtClean="0">
-              <a:latin typeface="黑体" panose="02010609060101010101" pitchFamily="49" charset="-122"/>
-              <a:ea typeface="黑体" panose="02010609060101010101" pitchFamily="49" charset="-122"/>
-              <a:sym typeface="+mn-ea"/>
-            </a:endParaRPr>
-          </a:p>
-          <a:p>
-            <a:pPr algn="l">
-              <a:lnSpc>
-                <a:spcPct val="100000"/>
-              </a:lnSpc>
-              <a:buFont typeface="Wingdings" panose="05000000000000000000" pitchFamily="2" charset="2"/>
-              <a:buNone/>
-              <a:defRPr/>
-            </a:pPr>
             <a:endParaRPr lang="zh-CN" altLang="en-US" sz="3600" dirty="0">
               <a:latin typeface="黑体" panose="02010609060101010101" pitchFamily="49" charset="-122"/>
               <a:ea typeface="黑体" panose="02010609060101010101" pitchFamily="49" charset="-122"/>
@@ -23381,6 +23399,34 @@
           </a:p>
         </p:txBody>
       </p:sp>
+      <p:pic>
+        <p:nvPicPr>
+          <p:cNvPr id="2" name="图片 1" descr="封面"/>
+          <p:cNvPicPr>
+            <a:picLocks noChangeAspect="1"/>
+          </p:cNvPicPr>
+          <p:nvPr>
+            <p:custDataLst>
+              <p:tags r:id="rId1"/>
+            </p:custDataLst>
+          </p:nvPr>
+        </p:nvPicPr>
+        <p:blipFill>
+          <a:blip r:embed="rId2"/>
+          <a:stretch>
+            <a:fillRect/>
+          </a:stretch>
+        </p:blipFill>
+        <p:spPr>
+          <a:xfrm>
+            <a:off x="7101840" y="64135"/>
+            <a:ext cx="5017135" cy="6729730"/>
+          </a:xfrm>
+          <a:prstGeom prst="rect">
+            <a:avLst/>
+          </a:prstGeom>
+        </p:spPr>
+      </p:pic>
     </p:spTree>
   </p:cSld>
   <p:clrMapOvr>
@@ -23390,7 +23436,121 @@
   <p:timing>
     <p:tnLst>
       <p:par>
-        <p:cTn id="1" dur="indefinite" restart="never" nodeType="tmRoot"/>
+        <p:cTn id="1" dur="indefinite" restart="never" nodeType="tmRoot">
+          <p:childTnLst>
+            <p:seq concurrent="1" nextAc="seek">
+              <p:cTn id="2" dur="indefinite" nodeType="mainSeq">
+                <p:childTnLst>
+                  <p:par>
+                    <p:cTn id="3" fill="hold">
+                      <p:stCondLst>
+                        <p:cond delay="indefinite"/>
+                      </p:stCondLst>
+                      <p:childTnLst>
+                        <p:par>
+                          <p:cTn id="4" fill="hold">
+                            <p:stCondLst>
+                              <p:cond delay="0"/>
+                            </p:stCondLst>
+                            <p:childTnLst>
+                              <p:par>
+                                <p:cTn id="5" presetID="2" presetClass="entr" presetSubtype="4" fill="hold" nodeType="clickEffect">
+                                  <p:stCondLst>
+                                    <p:cond delay="0"/>
+                                  </p:stCondLst>
+                                  <p:childTnLst>
+                                    <p:set>
+                                      <p:cBhvr>
+                                        <p:cTn id="6" dur="1" fill="hold">
+                                          <p:stCondLst>
+                                            <p:cond delay="0"/>
+                                          </p:stCondLst>
+                                        </p:cTn>
+                                        <p:tgtEl>
+                                          <p:spTgt spid="2"/>
+                                        </p:tgtEl>
+                                        <p:attrNameLst>
+                                          <p:attrName>style.visibility</p:attrName>
+                                        </p:attrNameLst>
+                                      </p:cBhvr>
+                                      <p:to>
+                                        <p:strVal val="visible"/>
+                                      </p:to>
+                                    </p:set>
+                                    <p:anim calcmode="lin" valueType="num">
+                                      <p:cBhvr additive="base">
+                                        <p:cTn id="7" dur="500" fill="hold"/>
+                                        <p:tgtEl>
+                                          <p:spTgt spid="2"/>
+                                        </p:tgtEl>
+                                        <p:attrNameLst>
+                                          <p:attrName>ppt_x</p:attrName>
+                                        </p:attrNameLst>
+                                      </p:cBhvr>
+                                      <p:tavLst>
+                                        <p:tav tm="0">
+                                          <p:val>
+                                            <p:strVal val="#ppt_x"/>
+                                          </p:val>
+                                        </p:tav>
+                                        <p:tav tm="100000">
+                                          <p:val>
+                                            <p:strVal val="#ppt_x"/>
+                                          </p:val>
+                                        </p:tav>
+                                      </p:tavLst>
+                                    </p:anim>
+                                    <p:anim calcmode="lin" valueType="num">
+                                      <p:cBhvr additive="base">
+                                        <p:cTn id="8" dur="500" fill="hold"/>
+                                        <p:tgtEl>
+                                          <p:spTgt spid="2"/>
+                                        </p:tgtEl>
+                                        <p:attrNameLst>
+                                          <p:attrName>ppt_y</p:attrName>
+                                        </p:attrNameLst>
+                                      </p:cBhvr>
+                                      <p:tavLst>
+                                        <p:tav tm="0">
+                                          <p:val>
+                                            <p:strVal val="1+#ppt_h/2"/>
+                                          </p:val>
+                                        </p:tav>
+                                        <p:tav tm="100000">
+                                          <p:val>
+                                            <p:strVal val="#ppt_y"/>
+                                          </p:val>
+                                        </p:tav>
+                                      </p:tavLst>
+                                    </p:anim>
+                                  </p:childTnLst>
+                                </p:cTn>
+                              </p:par>
+                            </p:childTnLst>
+                          </p:cTn>
+                        </p:par>
+                      </p:childTnLst>
+                    </p:cTn>
+                  </p:par>
+                </p:childTnLst>
+              </p:cTn>
+              <p:prevCondLst>
+                <p:cond evt="onPrev" delay="0">
+                  <p:tgtEl>
+                    <p:sldTgt/>
+                  </p:tgtEl>
+                </p:cond>
+              </p:prevCondLst>
+              <p:nextCondLst>
+                <p:cond evt="onNext" delay="0">
+                  <p:tgtEl>
+                    <p:sldTgt/>
+                  </p:tgtEl>
+                </p:cond>
+              </p:nextCondLst>
+            </p:seq>
+          </p:childTnLst>
+        </p:cTn>
       </p:par>
     </p:tnLst>
   </p:timing>
@@ -33449,6 +33609,13 @@
 </p:sld>
 </file>
 
+<file path=ppt/tags/tag1.xml><?xml version="1.0" encoding="utf-8"?>
+<p:tagLst xmlns:p="http://schemas.openxmlformats.org/presentationml/2006/main">
+  <p:tag name="REFSHAPE" val="298163732"/>
+  <p:tag name="KSO_WM_UNIT_PLACING_PICTURE_USER_VIEWPORT" val="{&quot;height&quot;:9375,&quot;width&quot;:6990}"/>
+</p:tagLst>
+</file>
+
 <file path=ppt/theme/theme1.xml><?xml version="1.0" encoding="utf-8"?>
 <a:theme xmlns:a="http://schemas.openxmlformats.org/drawingml/2006/main" name="自定义设计方案">
   <a:themeElements>
